--- a/Azure Iot Hub/Presentantion.pptx
+++ b/Azure Iot Hub/Presentantion.pptx
@@ -234,7 +234,7 @@
           <a:p>
             <a:fld id="{9EB326D8-4C38-4835-91AB-B79CDC0B07B3}" type="datetimeFigureOut">
               <a:rPr lang="en-US" smtClean="0"/>
-              <a:t>4/12/2016</a:t>
+              <a:t>4/15/2016</a:t>
             </a:fld>
             <a:endParaRPr lang="en-US"/>
           </a:p>
@@ -909,8 +909,44 @@
           </a:p>
           <a:p>
             <a:r>
+              <a:rPr lang="en-US" dirty="0"/>
+              <a:t>https://dgkanatsios.com/2016/03/09/raspberry-pi-sense-hat-azure-iot-hub-oh-my/</a:t>
+            </a:r>
+          </a:p>
+          <a:p>
+            <a:endParaRPr lang="en-US" dirty="0"/>
+          </a:p>
+          <a:p>
+            <a:r>
+              <a:rPr lang="en-US" dirty="0"/>
+              <a:t>Cool</a:t>
+            </a:r>
+            <a:r>
+              <a:rPr lang="en-US" baseline="0" dirty="0"/>
+              <a:t> Demo</a:t>
+            </a:r>
+          </a:p>
+          <a:p>
+            <a:r>
               <a:rPr lang="en-US"/>
-              <a:t>https://dgkanatsios.com/2016/03/09/raspberry-pi-sense-hat-azure-iot-hub-oh-my/</a:t>
+              <a:t>https://www.youtube.com/watch?v=u5oTz1e5qqE</a:t>
+            </a:r>
+            <a:endParaRPr lang="en-US" dirty="0"/>
+          </a:p>
+          <a:p>
+            <a:r>
+              <a:rPr lang="en-US" dirty="0"/>
+              <a:t>More</a:t>
+            </a:r>
+            <a:r>
+              <a:rPr lang="en-US" baseline="0" dirty="0"/>
+              <a:t> advance application</a:t>
+            </a:r>
+          </a:p>
+          <a:p>
+            <a:r>
+              <a:rPr lang="en-US" dirty="0"/>
+              <a:t>https://azure.microsoft.com/en-us/blog/mydriving-an-azure-iot-and-mobile-sample-application/?wt.mc_id=DX_836278&amp;sf24369366=1</a:t>
             </a:r>
             <a:endParaRPr lang="el-GR" dirty="0"/>
           </a:p>
@@ -3139,7 +3175,7 @@
           <a:graphicData uri="http://schemas.openxmlformats.org/presentationml/2006/ole">
             <mc:AlternateContent xmlns:mc="http://schemas.openxmlformats.org/markup-compatibility/2006">
               <mc:Choice xmlns:v="urn:schemas-microsoft-com:vml" Requires="v">
-                <p:oleObj spid="_x0000_s14479" name="think-cell Slide" r:id="rId9" imgW="270" imgH="270" progId="">
+                <p:oleObj spid="_x0000_s14481" name="think-cell Slide" r:id="rId9" imgW="270" imgH="270" progId="">
                   <p:embed/>
                 </p:oleObj>
               </mc:Choice>
@@ -3611,7 +3647,7 @@
           <a:graphicData uri="http://schemas.openxmlformats.org/presentationml/2006/ole">
             <mc:AlternateContent xmlns:mc="http://schemas.openxmlformats.org/markup-compatibility/2006">
               <mc:Choice xmlns:v="urn:schemas-microsoft-com:vml" Requires="v">
-                <p:oleObj spid="_x0000_s15503" name="think-cell Slide" r:id="rId8" imgW="270" imgH="270" progId="">
+                <p:oleObj spid="_x0000_s15505" name="think-cell Slide" r:id="rId8" imgW="270" imgH="270" progId="">
                   <p:embed/>
                 </p:oleObj>
               </mc:Choice>
@@ -3847,7 +3883,7 @@
           <a:graphicData uri="http://schemas.openxmlformats.org/presentationml/2006/ole">
             <mc:AlternateContent xmlns:mc="http://schemas.openxmlformats.org/markup-compatibility/2006">
               <mc:Choice xmlns:v="urn:schemas-microsoft-com:vml" Requires="v">
-                <p:oleObj spid="_x0000_s16527" name="think-cell Slide" r:id="rId10" imgW="270" imgH="270" progId="">
+                <p:oleObj spid="_x0000_s16529" name="think-cell Slide" r:id="rId10" imgW="270" imgH="270" progId="">
                   <p:embed/>
                 </p:oleObj>
               </mc:Choice>
@@ -4790,7 +4826,7 @@
           <a:graphicData uri="http://schemas.openxmlformats.org/presentationml/2006/ole">
             <mc:AlternateContent xmlns:mc="http://schemas.openxmlformats.org/markup-compatibility/2006">
               <mc:Choice xmlns:v="urn:schemas-microsoft-com:vml" Requires="v">
-                <p:oleObj spid="_x0000_s17551" name="think-cell Slide" r:id="rId11" imgW="270" imgH="270" progId="">
+                <p:oleObj spid="_x0000_s17553" name="think-cell Slide" r:id="rId11" imgW="270" imgH="270" progId="">
                   <p:embed/>
                 </p:oleObj>
               </mc:Choice>
@@ -5280,7 +5316,7 @@
           <a:graphicData uri="http://schemas.openxmlformats.org/presentationml/2006/ole">
             <mc:AlternateContent xmlns:mc="http://schemas.openxmlformats.org/markup-compatibility/2006">
               <mc:Choice xmlns:v="urn:schemas-microsoft-com:vml" Requires="v">
-                <p:oleObj spid="_x0000_s18575" name="think-cell Slide" r:id="rId5" imgW="270" imgH="270" progId="">
+                <p:oleObj spid="_x0000_s18577" name="think-cell Slide" r:id="rId5" imgW="270" imgH="270" progId="">
                   <p:embed/>
                 </p:oleObj>
               </mc:Choice>
@@ -5514,7 +5550,7 @@
           <a:graphicData uri="http://schemas.openxmlformats.org/presentationml/2006/ole">
             <mc:AlternateContent xmlns:mc="http://schemas.openxmlformats.org/markup-compatibility/2006">
               <mc:Choice xmlns:v="urn:schemas-microsoft-com:vml" Requires="v">
-                <p:oleObj spid="_x0000_s19599" name="think-cell Slide" r:id="rId5" imgW="270" imgH="270" progId="">
+                <p:oleObj spid="_x0000_s19601" name="think-cell Slide" r:id="rId5" imgW="270" imgH="270" progId="">
                   <p:embed/>
                 </p:oleObj>
               </mc:Choice>
@@ -11675,7 +11711,7 @@
                 </a:solidFill>
               </a:rPr>
               <a:pPr/>
-              <a:t>2016-04-12</a:t>
+              <a:t>2016-04-15</a:t>
             </a:fld>
             <a:endParaRPr lang="sv-SE">
               <a:solidFill>
@@ -11913,7 +11949,7 @@
                 </a:solidFill>
               </a:rPr>
               <a:pPr/>
-              <a:t>2016-04-12</a:t>
+              <a:t>2016-04-15</a:t>
             </a:fld>
             <a:endParaRPr lang="sv-SE">
               <a:solidFill>
@@ -13578,7 +13614,7 @@
           <a:graphicData uri="http://schemas.openxmlformats.org/presentationml/2006/ole">
             <mc:AlternateContent xmlns:mc="http://schemas.openxmlformats.org/markup-compatibility/2006">
               <mc:Choice xmlns:v="urn:schemas-microsoft-com:vml" Requires="v">
-                <p:oleObj spid="_x0000_s13455" name="think-cell Slide" r:id="rId13" imgW="270" imgH="270" progId="">
+                <p:oleObj spid="_x0000_s13457" name="think-cell Slide" r:id="rId13" imgW="270" imgH="270" progId="">
                   <p:embed/>
                 </p:oleObj>
               </mc:Choice>
